--- a/trunk/Apresentação/TCC_AndersonBerg_Apresentação_20091206_V1.pptx
+++ b/trunk/Apresentação/TCC_AndersonBerg_Apresentação_20091206_V1.pptx
@@ -10,25 +10,25 @@
   <p:sldIdLst>
     <p:sldId id="256" r:id="rId2"/>
     <p:sldId id="258" r:id="rId3"/>
-    <p:sldId id="259" r:id="rId4"/>
-    <p:sldId id="260" r:id="rId5"/>
-    <p:sldId id="261" r:id="rId6"/>
-    <p:sldId id="262" r:id="rId7"/>
-    <p:sldId id="263" r:id="rId8"/>
-    <p:sldId id="264" r:id="rId9"/>
-    <p:sldId id="265" r:id="rId10"/>
-    <p:sldId id="266" r:id="rId11"/>
-    <p:sldId id="267" r:id="rId12"/>
-    <p:sldId id="268" r:id="rId13"/>
-    <p:sldId id="269" r:id="rId14"/>
-    <p:sldId id="270" r:id="rId15"/>
-    <p:sldId id="271" r:id="rId16"/>
-    <p:sldId id="272" r:id="rId17"/>
-    <p:sldId id="273" r:id="rId18"/>
-    <p:sldId id="274" r:id="rId19"/>
-    <p:sldId id="275" r:id="rId20"/>
-    <p:sldId id="278" r:id="rId21"/>
-    <p:sldId id="277" r:id="rId22"/>
+    <p:sldId id="278" r:id="rId4"/>
+    <p:sldId id="259" r:id="rId5"/>
+    <p:sldId id="277" r:id="rId6"/>
+    <p:sldId id="260" r:id="rId7"/>
+    <p:sldId id="261" r:id="rId8"/>
+    <p:sldId id="263" r:id="rId9"/>
+    <p:sldId id="264" r:id="rId10"/>
+    <p:sldId id="265" r:id="rId11"/>
+    <p:sldId id="266" r:id="rId12"/>
+    <p:sldId id="267" r:id="rId13"/>
+    <p:sldId id="268" r:id="rId14"/>
+    <p:sldId id="269" r:id="rId15"/>
+    <p:sldId id="270" r:id="rId16"/>
+    <p:sldId id="271" r:id="rId17"/>
+    <p:sldId id="272" r:id="rId18"/>
+    <p:sldId id="273" r:id="rId19"/>
+    <p:sldId id="274" r:id="rId20"/>
+    <p:sldId id="287" r:id="rId21"/>
+    <p:sldId id="275" r:id="rId22"/>
     <p:sldId id="276" r:id="rId23"/>
     <p:sldId id="279" r:id="rId24"/>
     <p:sldId id="280" r:id="rId25"/>
@@ -222,7 +222,7 @@
             <a:fld id="{87533535-BCD3-4A64-9D1A-E5BA9C17F898}" type="datetimeFigureOut">
               <a:rPr lang="pt-BR" smtClean="0"/>
               <a:pPr/>
-              <a:t>6/12/2009</a:t>
+              <a:t>7/12/2009</a:t>
             </a:fld>
             <a:endParaRPr lang="pt-BR"/>
           </a:p>
@@ -616,6 +616,14 @@
           </a:bodyPr>
           <a:lstStyle/>
           <a:p>
+            <a:r>
+              <a:rPr lang="pt-BR" dirty="0" smtClean="0"/>
+              <a:t>Os sistemas computacionais proporcionaram formas de criar e transmitir</a:t>
+            </a:r>
+            <a:r>
+              <a:rPr lang="pt-BR" baseline="0" dirty="0" smtClean="0"/>
+              <a:t> um grande volume de informação mais facilmente. Apesar de seus benefícios a facilidade na produção e troca de informação leva a um problema conhecido como sobrecarga de informação. Sistemas de recomendação atacam o problema da sobrecarga no sentido da busca por informação. Devido ao crescimento da internet e do avanço dos paradigmas de segurança, o mercado tradicional que conhecemos está migrando para um modelo de negócios virtual. Diversas lojas disponibilizam seus produtos para venda online, muitas delas possuem apenas a loja virtual. Pelo fato de não haver limitação de espaço físico para expor os produtos, a diversidade de produtos disponíveis ao cliente é sensivelmente superior. Encontrar um produto que realmente interesse é um trabalho difícil e entediante. Para minimizar o problema da sobrecarga de informação de produtos, as lojas virtuais lançam mão de ferramentas que auxiliem o cliente a encontrar aquilo que procura e satisfazer suas necessidades. Uma dessas ferramentas são os sistemas de recomendação.</a:t>
+            </a:r>
             <a:endParaRPr lang="pt-BR" dirty="0"/>
           </a:p>
         </p:txBody>
@@ -653,6 +661,195 @@
 </file>
 
 <file path=ppt/notesSlides/notesSlide3.xml><?xml version="1.0" encoding="utf-8"?>
+<p:notes xmlns:a="http://schemas.openxmlformats.org/drawingml/2006/main" xmlns:r="http://schemas.openxmlformats.org/officeDocument/2006/relationships" xmlns:p="http://schemas.openxmlformats.org/presentationml/2006/main">
+  <p:cSld>
+    <p:spTree>
+      <p:nvGrpSpPr>
+        <p:cNvPr id="1" name=""/>
+        <p:cNvGrpSpPr/>
+        <p:nvPr/>
+      </p:nvGrpSpPr>
+      <p:grpSpPr>
+        <a:xfrm>
+          <a:off x="0" y="0"/>
+          <a:ext cx="0" cy="0"/>
+          <a:chOff x="0" y="0"/>
+          <a:chExt cx="0" cy="0"/>
+        </a:xfrm>
+      </p:grpSpPr>
+      <p:sp>
+        <p:nvSpPr>
+          <p:cNvPr id="2" name="Espaço Reservado para Imagem de Slide 1"/>
+          <p:cNvSpPr>
+            <a:spLocks noGrp="1" noRot="1" noChangeAspect="1"/>
+          </p:cNvSpPr>
+          <p:nvPr>
+            <p:ph type="sldImg"/>
+          </p:nvPr>
+        </p:nvSpPr>
+        <p:spPr/>
+      </p:sp>
+      <p:sp>
+        <p:nvSpPr>
+          <p:cNvPr id="3" name="Espaço Reservado para Anotações 2"/>
+          <p:cNvSpPr>
+            <a:spLocks noGrp="1"/>
+          </p:cNvSpPr>
+          <p:nvPr>
+            <p:ph type="body" idx="1"/>
+          </p:nvPr>
+        </p:nvSpPr>
+        <p:spPr/>
+        <p:txBody>
+          <a:bodyPr>
+            <a:normAutofit/>
+          </a:bodyPr>
+          <a:lstStyle/>
+          <a:p>
+            <a:r>
+              <a:rPr lang="pt-BR" dirty="0" smtClean="0"/>
+              <a:t>O problema</a:t>
+            </a:r>
+            <a:r>
+              <a:rPr lang="pt-BR" baseline="0" dirty="0" smtClean="0"/>
+              <a:t> da sobrecarga ocorre também em vídeo locadoras, hoje, muitas delas, seguindo o padrão do comércio eletrônico, disponibilizam locações através da internet, fazendo entregas em domicílio.</a:t>
+            </a:r>
+          </a:p>
+          <a:p>
+            <a:r>
+              <a:rPr lang="pt-BR" baseline="0" dirty="0" smtClean="0"/>
+              <a:t>Encontrar um bom filme para assistir não é uma tarefa fácil. O cliente quer fazer uma boa escolha para que não se arrependa e desperdice dinheiro em algo que não lhe agrada. Para dar suporte às suas decisões, o cliente geralmente pede opinião de outras pessoas, amigos, familiares, e mesmo dos funcionários do estabelecimento. Conhecer o perfil de um cliente, saber realmente qual filme irá agradá-lo não é uma tarefa trivial.</a:t>
+            </a:r>
+            <a:endParaRPr lang="pt-BR" dirty="0" smtClean="0"/>
+          </a:p>
+          <a:p>
+            <a:r>
+              <a:rPr lang="pt-BR" dirty="0" smtClean="0"/>
+              <a:t>O</a:t>
+            </a:r>
+            <a:r>
+              <a:rPr lang="pt-BR" baseline="0" dirty="0" smtClean="0"/>
+              <a:t> principal objetivo deste trabalho é trazer os benefícios dos sistemas de recomendação para o ambiente das vídeo locadoras. De forma a ser um apoio no processo de locação de novos filmes.</a:t>
+            </a:r>
+            <a:endParaRPr lang="pt-BR" dirty="0"/>
+          </a:p>
+        </p:txBody>
+      </p:sp>
+      <p:sp>
+        <p:nvSpPr>
+          <p:cNvPr id="4" name="Espaço Reservado para Número de Slide 3"/>
+          <p:cNvSpPr>
+            <a:spLocks noGrp="1"/>
+          </p:cNvSpPr>
+          <p:nvPr>
+            <p:ph type="sldNum" sz="quarter" idx="10"/>
+          </p:nvPr>
+        </p:nvSpPr>
+        <p:spPr/>
+        <p:txBody>
+          <a:bodyPr/>
+          <a:lstStyle/>
+          <a:p>
+            <a:fld id="{C82B9437-F8B4-4408-9752-528278BC7DC3}" type="slidenum">
+              <a:rPr lang="pt-BR" smtClean="0"/>
+              <a:pPr/>
+              <a:t>4</a:t>
+            </a:fld>
+            <a:endParaRPr lang="pt-BR"/>
+          </a:p>
+        </p:txBody>
+      </p:sp>
+    </p:spTree>
+  </p:cSld>
+  <p:clrMapOvr>
+    <a:masterClrMapping/>
+  </p:clrMapOvr>
+</p:notes>
+</file>
+
+<file path=ppt/notesSlides/notesSlide4.xml><?xml version="1.0" encoding="utf-8"?>
+<p:notes xmlns:a="http://schemas.openxmlformats.org/drawingml/2006/main" xmlns:r="http://schemas.openxmlformats.org/officeDocument/2006/relationships" xmlns:p="http://schemas.openxmlformats.org/presentationml/2006/main">
+  <p:cSld>
+    <p:spTree>
+      <p:nvGrpSpPr>
+        <p:cNvPr id="1" name=""/>
+        <p:cNvGrpSpPr/>
+        <p:nvPr/>
+      </p:nvGrpSpPr>
+      <p:grpSpPr>
+        <a:xfrm>
+          <a:off x="0" y="0"/>
+          <a:ext cx="0" cy="0"/>
+          <a:chOff x="0" y="0"/>
+          <a:chExt cx="0" cy="0"/>
+        </a:xfrm>
+      </p:grpSpPr>
+      <p:sp>
+        <p:nvSpPr>
+          <p:cNvPr id="2" name="Espaço Reservado para Imagem de Slide 1"/>
+          <p:cNvSpPr>
+            <a:spLocks noGrp="1" noRot="1" noChangeAspect="1"/>
+          </p:cNvSpPr>
+          <p:nvPr>
+            <p:ph type="sldImg"/>
+          </p:nvPr>
+        </p:nvSpPr>
+        <p:spPr/>
+      </p:sp>
+      <p:sp>
+        <p:nvSpPr>
+          <p:cNvPr id="3" name="Espaço Reservado para Anotações 2"/>
+          <p:cNvSpPr>
+            <a:spLocks noGrp="1"/>
+          </p:cNvSpPr>
+          <p:nvPr>
+            <p:ph type="body" idx="1"/>
+          </p:nvPr>
+        </p:nvSpPr>
+        <p:spPr/>
+        <p:txBody>
+          <a:bodyPr>
+            <a:normAutofit/>
+          </a:bodyPr>
+          <a:lstStyle/>
+          <a:p>
+            <a:endParaRPr lang="pt-BR" dirty="0"/>
+          </a:p>
+        </p:txBody>
+      </p:sp>
+      <p:sp>
+        <p:nvSpPr>
+          <p:cNvPr id="4" name="Espaço Reservado para Número de Slide 3"/>
+          <p:cNvSpPr>
+            <a:spLocks noGrp="1"/>
+          </p:cNvSpPr>
+          <p:nvPr>
+            <p:ph type="sldNum" sz="quarter" idx="10"/>
+          </p:nvPr>
+        </p:nvSpPr>
+        <p:spPr/>
+        <p:txBody>
+          <a:bodyPr/>
+          <a:lstStyle/>
+          <a:p>
+            <a:fld id="{C82B9437-F8B4-4408-9752-528278BC7DC3}" type="slidenum">
+              <a:rPr lang="pt-BR" smtClean="0"/>
+              <a:pPr/>
+              <a:t>7</a:t>
+            </a:fld>
+            <a:endParaRPr lang="pt-BR"/>
+          </a:p>
+        </p:txBody>
+      </p:sp>
+    </p:spTree>
+  </p:cSld>
+  <p:clrMapOvr>
+    <a:masterClrMapping/>
+  </p:clrMapOvr>
+</p:notes>
+</file>
+
+<file path=ppt/notesSlides/notesSlide5.xml><?xml version="1.0" encoding="utf-8"?>
 <p:notes xmlns:a="http://schemas.openxmlformats.org/drawingml/2006/main" xmlns:r="http://schemas.openxmlformats.org/officeDocument/2006/relationships" xmlns:p="http://schemas.openxmlformats.org/presentationml/2006/main">
   <p:cSld>
     <p:spTree>
@@ -916,7 +1113,7 @@
             <a:fld id="{8E4FEC67-B5D5-4F89-802C-92EB9180D12F}" type="datetimeFigureOut">
               <a:rPr lang="pt-BR" smtClean="0"/>
               <a:pPr/>
-              <a:t>6/12/2009</a:t>
+              <a:t>7/12/2009</a:t>
             </a:fld>
             <a:endParaRPr lang="pt-BR"/>
           </a:p>
@@ -1083,7 +1280,7 @@
             <a:fld id="{8E4FEC67-B5D5-4F89-802C-92EB9180D12F}" type="datetimeFigureOut">
               <a:rPr lang="pt-BR" smtClean="0"/>
               <a:pPr/>
-              <a:t>6/12/2009</a:t>
+              <a:t>7/12/2009</a:t>
             </a:fld>
             <a:endParaRPr lang="pt-BR"/>
           </a:p>
@@ -1260,7 +1457,7 @@
             <a:fld id="{8E4FEC67-B5D5-4F89-802C-92EB9180D12F}" type="datetimeFigureOut">
               <a:rPr lang="pt-BR" smtClean="0"/>
               <a:pPr/>
-              <a:t>6/12/2009</a:t>
+              <a:t>7/12/2009</a:t>
             </a:fld>
             <a:endParaRPr lang="pt-BR"/>
           </a:p>
@@ -1427,7 +1624,7 @@
             <a:fld id="{8E4FEC67-B5D5-4F89-802C-92EB9180D12F}" type="datetimeFigureOut">
               <a:rPr lang="pt-BR" smtClean="0"/>
               <a:pPr/>
-              <a:t>6/12/2009</a:t>
+              <a:t>7/12/2009</a:t>
             </a:fld>
             <a:endParaRPr lang="pt-BR"/>
           </a:p>
@@ -1670,7 +1867,7 @@
             <a:fld id="{8E4FEC67-B5D5-4F89-802C-92EB9180D12F}" type="datetimeFigureOut">
               <a:rPr lang="pt-BR" smtClean="0"/>
               <a:pPr/>
-              <a:t>6/12/2009</a:t>
+              <a:t>7/12/2009</a:t>
             </a:fld>
             <a:endParaRPr lang="pt-BR"/>
           </a:p>
@@ -1955,7 +2152,7 @@
             <a:fld id="{8E4FEC67-B5D5-4F89-802C-92EB9180D12F}" type="datetimeFigureOut">
               <a:rPr lang="pt-BR" smtClean="0"/>
               <a:pPr/>
-              <a:t>6/12/2009</a:t>
+              <a:t>7/12/2009</a:t>
             </a:fld>
             <a:endParaRPr lang="pt-BR"/>
           </a:p>
@@ -2374,7 +2571,7 @@
             <a:fld id="{8E4FEC67-B5D5-4F89-802C-92EB9180D12F}" type="datetimeFigureOut">
               <a:rPr lang="pt-BR" smtClean="0"/>
               <a:pPr/>
-              <a:t>6/12/2009</a:t>
+              <a:t>7/12/2009</a:t>
             </a:fld>
             <a:endParaRPr lang="pt-BR"/>
           </a:p>
@@ -2489,7 +2686,7 @@
             <a:fld id="{8E4FEC67-B5D5-4F89-802C-92EB9180D12F}" type="datetimeFigureOut">
               <a:rPr lang="pt-BR" smtClean="0"/>
               <a:pPr/>
-              <a:t>6/12/2009</a:t>
+              <a:t>7/12/2009</a:t>
             </a:fld>
             <a:endParaRPr lang="pt-BR"/>
           </a:p>
@@ -2581,7 +2778,7 @@
             <a:fld id="{8E4FEC67-B5D5-4F89-802C-92EB9180D12F}" type="datetimeFigureOut">
               <a:rPr lang="pt-BR" smtClean="0"/>
               <a:pPr/>
-              <a:t>6/12/2009</a:t>
+              <a:t>7/12/2009</a:t>
             </a:fld>
             <a:endParaRPr lang="pt-BR"/>
           </a:p>
@@ -2855,7 +3052,7 @@
             <a:fld id="{8E4FEC67-B5D5-4F89-802C-92EB9180D12F}" type="datetimeFigureOut">
               <a:rPr lang="pt-BR" smtClean="0"/>
               <a:pPr/>
-              <a:t>6/12/2009</a:t>
+              <a:t>7/12/2009</a:t>
             </a:fld>
             <a:endParaRPr lang="pt-BR"/>
           </a:p>
@@ -3105,7 +3302,7 @@
             <a:fld id="{8E4FEC67-B5D5-4F89-802C-92EB9180D12F}" type="datetimeFigureOut">
               <a:rPr lang="pt-BR" smtClean="0"/>
               <a:pPr/>
-              <a:t>6/12/2009</a:t>
+              <a:t>7/12/2009</a:t>
             </a:fld>
             <a:endParaRPr lang="pt-BR"/>
           </a:p>
@@ -3315,7 +3512,7 @@
             <a:fld id="{8E4FEC67-B5D5-4F89-802C-92EB9180D12F}" type="datetimeFigureOut">
               <a:rPr lang="pt-BR" smtClean="0"/>
               <a:pPr/>
-              <a:t>6/12/2009</a:t>
+              <a:t>7/12/2009</a:t>
             </a:fld>
             <a:endParaRPr lang="pt-BR"/>
           </a:p>
@@ -3819,6 +4016,13 @@
   <p:clrMapOvr>
     <a:masterClrMapping/>
   </p:clrMapOvr>
+  <p:timing>
+    <p:tnLst>
+      <p:par>
+        <p:cTn id="1" dur="indefinite" restart="never" nodeType="tmRoot"/>
+      </p:par>
+    </p:tnLst>
+  </p:timing>
 </p:sld>
 </file>
 
@@ -3882,19 +4086,19 @@
             </a:pPr>
             <a:r>
               <a:rPr lang="pt-BR" dirty="0" smtClean="0"/>
-              <a:t>Desvantagens:</a:t>
-            </a:r>
-          </a:p>
-          <a:p>
-            <a:r>
-              <a:rPr lang="pt-BR" dirty="0" smtClean="0"/>
-              <a:t>Só avalia textos, não sendo possível avaliar qualidade do texto ou de autores dos textos</a:t>
-            </a:r>
-          </a:p>
-          <a:p>
-            <a:r>
-              <a:rPr lang="pt-BR" dirty="0" err="1" smtClean="0"/>
-              <a:t>Superespecialização</a:t>
+              <a:t>Vantagens:</a:t>
+            </a:r>
+          </a:p>
+          <a:p>
+            <a:r>
+              <a:rPr lang="pt-BR" dirty="0" smtClean="0"/>
+              <a:t>Não são necessárias qualificações</a:t>
+            </a:r>
+          </a:p>
+          <a:p>
+            <a:r>
+              <a:rPr lang="pt-BR" dirty="0" smtClean="0"/>
+              <a:t>Se baseia apenas no conteúdo de itens, portanto não se restringe a itens já avaliados</a:t>
             </a:r>
             <a:endParaRPr lang="pt-BR" dirty="0"/>
           </a:p>
@@ -3905,6 +4109,13 @@
   <p:clrMapOvr>
     <a:masterClrMapping/>
   </p:clrMapOvr>
+  <p:timing>
+    <p:tnLst>
+      <p:par>
+        <p:cTn id="1" dur="indefinite" restart="never" nodeType="tmRoot"/>
+      </p:par>
+    </p:tnLst>
+  </p:timing>
 </p:sld>
 </file>
 
@@ -3942,7 +4153,7 @@
           <a:p>
             <a:r>
               <a:rPr lang="pt-BR" dirty="0" smtClean="0"/>
-              <a:t>Filtragem colaborativa</a:t>
+              <a:t>Filtragem baseada em conteúdo</a:t>
             </a:r>
             <a:endParaRPr lang="pt-BR" dirty="0"/>
           </a:p>
@@ -3963,21 +4174,24 @@
           <a:bodyPr/>
           <a:lstStyle/>
           <a:p>
-            <a:r>
-              <a:rPr lang="pt-BR" dirty="0" smtClean="0"/>
-              <a:t>Mais comum</a:t>
-            </a:r>
-          </a:p>
-          <a:p>
-            <a:r>
-              <a:rPr lang="pt-BR" dirty="0" smtClean="0"/>
-              <a:t>Similaridade entre usuários</a:t>
-            </a:r>
-          </a:p>
-          <a:p>
-            <a:r>
-              <a:rPr lang="pt-BR" dirty="0" smtClean="0"/>
-              <a:t>Avaliações de itens</a:t>
+            <a:pPr>
+              <a:buNone/>
+            </a:pPr>
+            <a:r>
+              <a:rPr lang="pt-BR" dirty="0" smtClean="0"/>
+              <a:t>Desvantagens:</a:t>
+            </a:r>
+          </a:p>
+          <a:p>
+            <a:r>
+              <a:rPr lang="pt-BR" dirty="0" smtClean="0"/>
+              <a:t>Só avalia textos, não sendo possível avaliar qualidade do texto ou de autores dos textos</a:t>
+            </a:r>
+          </a:p>
+          <a:p>
+            <a:r>
+              <a:rPr lang="pt-BR" dirty="0" err="1" smtClean="0"/>
+              <a:t>Superespecialização</a:t>
             </a:r>
             <a:endParaRPr lang="pt-BR" dirty="0"/>
           </a:p>
@@ -3988,6 +4202,13 @@
   <p:clrMapOvr>
     <a:masterClrMapping/>
   </p:clrMapOvr>
+  <p:timing>
+    <p:tnLst>
+      <p:par>
+        <p:cTn id="1" dur="indefinite" restart="never" nodeType="tmRoot"/>
+      </p:par>
+    </p:tnLst>
+  </p:timing>
 </p:sld>
 </file>
 
@@ -4046,24 +4267,21 @@
           <a:bodyPr/>
           <a:lstStyle/>
           <a:p>
-            <a:pPr>
-              <a:buNone/>
-            </a:pPr>
-            <a:r>
-              <a:rPr lang="pt-BR" dirty="0" smtClean="0"/>
-              <a:t>Vantagens:</a:t>
-            </a:r>
-          </a:p>
-          <a:p>
-            <a:r>
-              <a:rPr lang="pt-BR" dirty="0" smtClean="0"/>
-              <a:t>É possível avaliar qualidade de textos</a:t>
-            </a:r>
-          </a:p>
-          <a:p>
-            <a:r>
-              <a:rPr lang="pt-BR" dirty="0" smtClean="0"/>
-              <a:t>Melhor qualidade de recomendações</a:t>
+            <a:r>
+              <a:rPr lang="pt-BR" dirty="0" smtClean="0"/>
+              <a:t>Mais comum</a:t>
+            </a:r>
+          </a:p>
+          <a:p>
+            <a:r>
+              <a:rPr lang="pt-BR" dirty="0" smtClean="0"/>
+              <a:t>Similaridade entre usuários</a:t>
+            </a:r>
+          </a:p>
+          <a:p>
+            <a:r>
+              <a:rPr lang="pt-BR" dirty="0" smtClean="0"/>
+              <a:t>Avaliações de itens</a:t>
             </a:r>
             <a:endParaRPr lang="pt-BR" dirty="0"/>
           </a:p>
@@ -4074,6 +4292,13 @@
   <p:clrMapOvr>
     <a:masterClrMapping/>
   </p:clrMapOvr>
+  <p:timing>
+    <p:tnLst>
+      <p:par>
+        <p:cTn id="1" dur="indefinite" restart="never" nodeType="tmRoot"/>
+      </p:par>
+    </p:tnLst>
+  </p:timing>
 </p:sld>
 </file>
 
@@ -4137,19 +4362,19 @@
             </a:pPr>
             <a:r>
               <a:rPr lang="pt-BR" dirty="0" smtClean="0"/>
-              <a:t>Desvantagens</a:t>
-            </a:r>
-          </a:p>
-          <a:p>
-            <a:r>
-              <a:rPr lang="pt-BR" dirty="0" smtClean="0"/>
-              <a:t>Problema do novo item: é preciso algum usuário avaliar para este item ser recomendado</a:t>
-            </a:r>
-          </a:p>
-          <a:p>
-            <a:r>
-              <a:rPr lang="pt-BR" dirty="0" smtClean="0"/>
-              <a:t>Usuários ovelhas-negras, não há usuários semelhantes a estes no sistema</a:t>
+              <a:t>Vantagens:</a:t>
+            </a:r>
+          </a:p>
+          <a:p>
+            <a:r>
+              <a:rPr lang="pt-BR" dirty="0" smtClean="0"/>
+              <a:t>É possível avaliar qualidade de textos</a:t>
+            </a:r>
+          </a:p>
+          <a:p>
+            <a:r>
+              <a:rPr lang="pt-BR" dirty="0" smtClean="0"/>
+              <a:t>Melhor qualidade de recomendações</a:t>
             </a:r>
             <a:endParaRPr lang="pt-BR" dirty="0"/>
           </a:p>
@@ -4160,6 +4385,13 @@
   <p:clrMapOvr>
     <a:masterClrMapping/>
   </p:clrMapOvr>
+  <p:timing>
+    <p:tnLst>
+      <p:par>
+        <p:cTn id="1" dur="indefinite" restart="never" nodeType="tmRoot"/>
+      </p:par>
+    </p:tnLst>
+  </p:timing>
 </p:sld>
 </file>
 
@@ -4197,7 +4429,7 @@
           <a:p>
             <a:r>
               <a:rPr lang="pt-BR" dirty="0" smtClean="0"/>
-              <a:t>Filtragem híbrida</a:t>
+              <a:t>Filtragem colaborativa</a:t>
             </a:r>
             <a:endParaRPr lang="pt-BR" dirty="0"/>
           </a:p>
@@ -4218,21 +4450,24 @@
           <a:bodyPr/>
           <a:lstStyle/>
           <a:p>
-            <a:r>
-              <a:rPr lang="pt-BR" dirty="0" smtClean="0"/>
-              <a:t>Associar duas ou mais técnicas</a:t>
-            </a:r>
-          </a:p>
-          <a:p>
-            <a:r>
-              <a:rPr lang="pt-BR" dirty="0" smtClean="0"/>
-              <a:t>Filtragem baseada em conteúdo e colaborativa são complementares</a:t>
-            </a:r>
-          </a:p>
-          <a:p>
-            <a:r>
-              <a:rPr lang="pt-BR" dirty="0" smtClean="0"/>
-              <a:t>(Colocar tabela aqui)</a:t>
+            <a:pPr>
+              <a:buNone/>
+            </a:pPr>
+            <a:r>
+              <a:rPr lang="pt-BR" dirty="0" smtClean="0"/>
+              <a:t>Desvantagens</a:t>
+            </a:r>
+          </a:p>
+          <a:p>
+            <a:r>
+              <a:rPr lang="pt-BR" dirty="0" smtClean="0"/>
+              <a:t>Problema do novo item: é preciso algum usuário avaliar para este item ser recomendado</a:t>
+            </a:r>
+          </a:p>
+          <a:p>
+            <a:r>
+              <a:rPr lang="pt-BR" dirty="0" smtClean="0"/>
+              <a:t>Usuários ovelhas-negras, não há usuários semelhantes a estes no sistema</a:t>
             </a:r>
             <a:endParaRPr lang="pt-BR" dirty="0"/>
           </a:p>
@@ -4243,6 +4478,13 @@
   <p:clrMapOvr>
     <a:masterClrMapping/>
   </p:clrMapOvr>
+  <p:timing>
+    <p:tnLst>
+      <p:par>
+        <p:cTn id="1" dur="indefinite" restart="never" nodeType="tmRoot"/>
+      </p:par>
+    </p:tnLst>
+  </p:timing>
 </p:sld>
 </file>
 
@@ -4280,7 +4522,7 @@
           <a:p>
             <a:r>
               <a:rPr lang="pt-BR" dirty="0" smtClean="0"/>
-              <a:t>Mapas auto-organizáveis</a:t>
+              <a:t>Filtragem híbrida</a:t>
             </a:r>
             <a:endParaRPr lang="pt-BR" dirty="0"/>
           </a:p>
@@ -4303,56 +4545,14 @@
           <a:p>
             <a:r>
               <a:rPr lang="pt-BR" dirty="0" smtClean="0"/>
-              <a:t>Aprendizado não-supervisionado</a:t>
-            </a:r>
-          </a:p>
-          <a:p>
-            <a:r>
-              <a:rPr lang="pt-BR" dirty="0" smtClean="0"/>
-              <a:t>Primeiramente propostos por </a:t>
-            </a:r>
-            <a:r>
-              <a:rPr lang="pt-BR" dirty="0" err="1" smtClean="0"/>
-              <a:t>Teuvo</a:t>
-            </a:r>
-            <a:r>
-              <a:rPr lang="pt-BR" dirty="0" smtClean="0"/>
-              <a:t> </a:t>
-            </a:r>
-            <a:r>
-              <a:rPr lang="pt-BR" dirty="0" err="1" smtClean="0"/>
-              <a:t>Kohonen</a:t>
-            </a:r>
-            <a:endParaRPr lang="pt-BR" dirty="0" smtClean="0"/>
-          </a:p>
-          <a:p>
-            <a:r>
-              <a:rPr lang="pt-BR" dirty="0" smtClean="0"/>
-              <a:t>Formado por uma camada de entrada e uma de saída, geralmente uma grade bidimensional</a:t>
-            </a:r>
-          </a:p>
-          <a:p>
-            <a:r>
-              <a:rPr lang="pt-BR" dirty="0" smtClean="0"/>
-              <a:t>Redes SOM (</a:t>
-            </a:r>
-            <a:r>
-              <a:rPr lang="pt-BR" dirty="0" err="1" smtClean="0"/>
-              <a:t>Self-organizing</a:t>
-            </a:r>
-            <a:r>
-              <a:rPr lang="pt-BR" dirty="0" smtClean="0"/>
-              <a:t> </a:t>
-            </a:r>
-            <a:r>
-              <a:rPr lang="pt-BR" dirty="0" err="1" smtClean="0"/>
-              <a:t>maps</a:t>
-            </a:r>
-            <a:r>
-              <a:rPr lang="pt-BR" dirty="0" smtClean="0"/>
-              <a:t>)</a:t>
-            </a:r>
-            <a:endParaRPr lang="pt-BR" dirty="0"/>
+              <a:t>Associar duas ou mais técnicas</a:t>
+            </a:r>
+          </a:p>
+          <a:p>
+            <a:r>
+              <a:rPr lang="pt-BR" dirty="0" smtClean="0"/>
+              <a:t>Filtragem baseada em conteúdo e colaborativa são complementares</a:t>
+            </a:r>
           </a:p>
         </p:txBody>
       </p:sp>
@@ -4361,6 +4561,13 @@
   <p:clrMapOvr>
     <a:masterClrMapping/>
   </p:clrMapOvr>
+  <p:timing>
+    <p:tnLst>
+      <p:par>
+        <p:cTn id="1" dur="indefinite" restart="never" nodeType="tmRoot"/>
+      </p:par>
+    </p:tnLst>
+  </p:timing>
 </p:sld>
 </file>
 
@@ -4421,29 +4628,56 @@
           <a:p>
             <a:r>
               <a:rPr lang="pt-BR" dirty="0" smtClean="0"/>
-              <a:t>Inspiração no cérebro de animais  mais desenvolvidos</a:t>
-            </a:r>
-          </a:p>
-          <a:p>
-            <a:r>
-              <a:rPr lang="pt-BR" dirty="0" smtClean="0"/>
-              <a:t>Córtex do cérebro é topologicamente organizado por funções específicas</a:t>
-            </a:r>
-          </a:p>
-          <a:p>
-            <a:r>
-              <a:rPr lang="pt-BR" dirty="0" smtClean="0"/>
-              <a:t>Feedback lateral</a:t>
-            </a:r>
-          </a:p>
-          <a:p>
-            <a:r>
-              <a:rPr lang="pt-BR" dirty="0" smtClean="0"/>
-              <a:t>(Imagem do cérebro)</a:t>
-            </a:r>
-          </a:p>
-          <a:p>
+              <a:t>Aprendizado não-supervisionado</a:t>
+            </a:r>
+          </a:p>
+          <a:p>
+            <a:r>
+              <a:rPr lang="pt-BR" dirty="0" smtClean="0"/>
+              <a:t>Primeiramente propostos por </a:t>
+            </a:r>
+            <a:r>
+              <a:rPr lang="pt-BR" dirty="0" err="1" smtClean="0"/>
+              <a:t>Teuvo</a:t>
+            </a:r>
+            <a:r>
+              <a:rPr lang="pt-BR" dirty="0" smtClean="0"/>
+              <a:t> </a:t>
+            </a:r>
+            <a:r>
+              <a:rPr lang="pt-BR" dirty="0" err="1" smtClean="0"/>
+              <a:t>Kohonen</a:t>
+            </a:r>
             <a:endParaRPr lang="pt-BR" dirty="0" smtClean="0"/>
+          </a:p>
+          <a:p>
+            <a:r>
+              <a:rPr lang="pt-BR" dirty="0" smtClean="0"/>
+              <a:t>Formado por uma camada de entrada e uma de saída, geralmente uma grade bidimensional</a:t>
+            </a:r>
+          </a:p>
+          <a:p>
+            <a:r>
+              <a:rPr lang="pt-BR" dirty="0" smtClean="0"/>
+              <a:t>Redes SOM (</a:t>
+            </a:r>
+            <a:r>
+              <a:rPr lang="pt-BR" dirty="0" err="1" smtClean="0"/>
+              <a:t>Self-organizing</a:t>
+            </a:r>
+            <a:r>
+              <a:rPr lang="pt-BR" dirty="0" smtClean="0"/>
+              <a:t> </a:t>
+            </a:r>
+            <a:r>
+              <a:rPr lang="pt-BR" dirty="0" err="1" smtClean="0"/>
+              <a:t>maps</a:t>
+            </a:r>
+            <a:r>
+              <a:rPr lang="pt-BR" dirty="0" smtClean="0"/>
+              <a:t>)</a:t>
+            </a:r>
+            <a:endParaRPr lang="pt-BR" dirty="0"/>
           </a:p>
         </p:txBody>
       </p:sp>
@@ -4452,6 +4686,13 @@
   <p:clrMapOvr>
     <a:masterClrMapping/>
   </p:clrMapOvr>
+  <p:timing>
+    <p:tnLst>
+      <p:par>
+        <p:cTn id="1" dur="indefinite" restart="never" nodeType="tmRoot"/>
+      </p:par>
+    </p:tnLst>
+  </p:timing>
 </p:sld>
 </file>
 
@@ -4489,7 +4730,7 @@
           <a:p>
             <a:r>
               <a:rPr lang="pt-BR" dirty="0" smtClean="0"/>
-              <a:t>Arquitetura das redes SOM </a:t>
+              <a:t>Mapas auto-organizáveis</a:t>
             </a:r>
             <a:endParaRPr lang="pt-BR" dirty="0"/>
           </a:p>
@@ -4507,60 +4748,67 @@
         </p:nvSpPr>
         <p:spPr/>
         <p:txBody>
-          <a:bodyPr>
-            <a:normAutofit lnSpcReduction="10000"/>
-          </a:bodyPr>
-          <a:lstStyle/>
-          <a:p>
-            <a:r>
-              <a:rPr lang="pt-BR" dirty="0" smtClean="0"/>
-              <a:t>Grade bidimensional</a:t>
-            </a:r>
-          </a:p>
-          <a:p>
-            <a:r>
-              <a:rPr lang="pt-BR" dirty="0" smtClean="0"/>
-              <a:t>Formado por neurônios da camada de saída</a:t>
-            </a:r>
-          </a:p>
-          <a:p>
-            <a:r>
-              <a:rPr lang="pt-BR" dirty="0" smtClean="0"/>
-              <a:t>Cada neurônio possui um conjunto de pesos</a:t>
-            </a:r>
-          </a:p>
-          <a:p>
-            <a:r>
-              <a:rPr lang="pt-BR" dirty="0" smtClean="0"/>
-              <a:t>Os neurônios funcionam como extratores de características</a:t>
-            </a:r>
-          </a:p>
-          <a:p>
-            <a:r>
-              <a:rPr lang="pt-BR" dirty="0" smtClean="0"/>
-              <a:t>Aprendizado competitivo</a:t>
-            </a:r>
-          </a:p>
-          <a:p>
-            <a:r>
-              <a:rPr lang="pt-BR" dirty="0" smtClean="0"/>
-              <a:t>Iteração lateral</a:t>
-            </a:r>
-          </a:p>
-          <a:p>
-            <a:r>
-              <a:rPr lang="pt-BR" dirty="0" smtClean="0"/>
-              <a:t>Função chapéu mexicano</a:t>
-            </a:r>
-            <a:endParaRPr lang="pt-BR" dirty="0"/>
-          </a:p>
-        </p:txBody>
-      </p:sp>
+          <a:bodyPr/>
+          <a:lstStyle/>
+          <a:p>
+            <a:r>
+              <a:rPr lang="pt-BR" dirty="0" smtClean="0"/>
+              <a:t>Inspiração no cérebro de animais  mais desenvolvidos</a:t>
+            </a:r>
+          </a:p>
+          <a:p>
+            <a:r>
+              <a:rPr lang="pt-BR" dirty="0" smtClean="0"/>
+              <a:t>Córtex do cérebro é topologicamente organizado por funções específicas</a:t>
+            </a:r>
+          </a:p>
+          <a:p>
+            <a:r>
+              <a:rPr lang="pt-BR" dirty="0" smtClean="0"/>
+              <a:t>Feedback lateral</a:t>
+            </a:r>
+          </a:p>
+          <a:p>
+            <a:endParaRPr lang="pt-BR" dirty="0" smtClean="0"/>
+          </a:p>
+        </p:txBody>
+      </p:sp>
+      <p:pic>
+        <p:nvPicPr>
+          <p:cNvPr id="4" name="Imagem 3" descr="cortex.jpg"/>
+          <p:cNvPicPr>
+            <a:picLocks noChangeAspect="1"/>
+          </p:cNvPicPr>
+          <p:nvPr/>
+        </p:nvPicPr>
+        <p:blipFill>
+          <a:blip r:embed="rId2"/>
+          <a:stretch>
+            <a:fillRect/>
+          </a:stretch>
+        </p:blipFill>
+        <p:spPr>
+          <a:xfrm>
+            <a:off x="2857488" y="4500570"/>
+            <a:ext cx="3333750" cy="2181225"/>
+          </a:xfrm>
+          <a:prstGeom prst="rect">
+            <a:avLst/>
+          </a:prstGeom>
+        </p:spPr>
+      </p:pic>
     </p:spTree>
   </p:cSld>
   <p:clrMapOvr>
     <a:masterClrMapping/>
   </p:clrMapOvr>
+  <p:timing>
+    <p:tnLst>
+      <p:par>
+        <p:cTn id="1" dur="indefinite" restart="never" nodeType="tmRoot"/>
+      </p:par>
+    </p:tnLst>
+  </p:timing>
 </p:sld>
 </file>
 
@@ -4598,7 +4846,7 @@
           <a:p>
             <a:r>
               <a:rPr lang="pt-BR" dirty="0" smtClean="0"/>
-              <a:t>Treinamento</a:t>
+              <a:t>Arquitetura das redes SOM </a:t>
             </a:r>
             <a:endParaRPr lang="pt-BR" dirty="0"/>
           </a:p>
@@ -4623,43 +4871,43 @@
           <a:p>
             <a:r>
               <a:rPr lang="pt-BR" dirty="0" smtClean="0"/>
-              <a:t>Competitivo e não-supervisionado</a:t>
-            </a:r>
-          </a:p>
-          <a:p>
-            <a:r>
-              <a:rPr lang="pt-BR" dirty="0" smtClean="0"/>
-              <a:t>Função de ativação: distância euclidiana</a:t>
-            </a:r>
-          </a:p>
-          <a:p>
-            <a:r>
-              <a:rPr lang="pt-BR" dirty="0" smtClean="0"/>
-              <a:t>Escolha do vencedor</a:t>
-            </a:r>
-          </a:p>
-          <a:p>
-            <a:r>
-              <a:rPr lang="pt-BR" dirty="0" smtClean="0"/>
-              <a:t>Região de vizinhança</a:t>
-            </a:r>
-          </a:p>
-          <a:p>
-            <a:r>
-              <a:rPr lang="pt-BR" dirty="0" smtClean="0"/>
-              <a:t>Atualização de pesos</a:t>
-            </a:r>
-          </a:p>
-          <a:p>
-            <a:r>
-              <a:rPr lang="pt-BR" dirty="0" smtClean="0"/>
-              <a:t>Função de vizinhança</a:t>
-            </a:r>
-          </a:p>
-          <a:p>
-            <a:r>
-              <a:rPr lang="pt-BR" dirty="0" smtClean="0"/>
-              <a:t>(Figura do fluxograma do algoritmo de treinamento)</a:t>
+              <a:t>Grade bidimensional</a:t>
+            </a:r>
+          </a:p>
+          <a:p>
+            <a:r>
+              <a:rPr lang="pt-BR" dirty="0" smtClean="0"/>
+              <a:t>Formado por neurônios da camada de saída</a:t>
+            </a:r>
+          </a:p>
+          <a:p>
+            <a:r>
+              <a:rPr lang="pt-BR" dirty="0" smtClean="0"/>
+              <a:t>Cada neurônio possui um conjunto de pesos</a:t>
+            </a:r>
+          </a:p>
+          <a:p>
+            <a:r>
+              <a:rPr lang="pt-BR" dirty="0" smtClean="0"/>
+              <a:t>Os neurônios funcionam como extratores de características</a:t>
+            </a:r>
+          </a:p>
+          <a:p>
+            <a:r>
+              <a:rPr lang="pt-BR" dirty="0" smtClean="0"/>
+              <a:t>Aprendizado competitivo</a:t>
+            </a:r>
+          </a:p>
+          <a:p>
+            <a:r>
+              <a:rPr lang="pt-BR" dirty="0" smtClean="0"/>
+              <a:t>Iteração lateral</a:t>
+            </a:r>
+          </a:p>
+          <a:p>
+            <a:r>
+              <a:rPr lang="pt-BR" dirty="0" smtClean="0"/>
+              <a:t>Função chapéu mexicano</a:t>
             </a:r>
             <a:endParaRPr lang="pt-BR" dirty="0"/>
           </a:p>
@@ -4670,6 +4918,13 @@
   <p:clrMapOvr>
     <a:masterClrMapping/>
   </p:clrMapOvr>
+  <p:timing>
+    <p:tnLst>
+      <p:par>
+        <p:cTn id="1" dur="indefinite" restart="never" nodeType="tmRoot"/>
+      </p:par>
+    </p:tnLst>
+  </p:timing>
 </p:sld>
 </file>
 
@@ -4707,7 +4962,7 @@
           <a:p>
             <a:r>
               <a:rPr lang="pt-BR" dirty="0" smtClean="0"/>
-              <a:t>Modelo proposto</a:t>
+              <a:t>Treinamento</a:t>
             </a:r>
             <a:endParaRPr lang="pt-BR" dirty="0"/>
           </a:p>
@@ -4725,38 +4980,45 @@
         </p:nvSpPr>
         <p:spPr/>
         <p:txBody>
-          <a:bodyPr/>
-          <a:lstStyle/>
-          <a:p>
-            <a:r>
-              <a:rPr lang="pt-BR" dirty="0" smtClean="0"/>
-              <a:t>Sistema de recomendação para locadoras</a:t>
-            </a:r>
-          </a:p>
-          <a:p>
-            <a:r>
-              <a:rPr lang="pt-BR" dirty="0" smtClean="0"/>
-              <a:t>Não existe avaliações de usuários</a:t>
-            </a:r>
-          </a:p>
-          <a:p>
-            <a:r>
-              <a:rPr lang="pt-BR" dirty="0" smtClean="0"/>
-              <a:t>Baseado no histórico de locações</a:t>
-            </a:r>
-          </a:p>
-          <a:p>
-            <a:r>
-              <a:rPr lang="pt-BR" dirty="0" smtClean="0"/>
-              <a:t>Utiliza redes SOM</a:t>
-            </a:r>
-          </a:p>
-          <a:p>
-            <a:r>
-              <a:rPr lang="pt-BR" dirty="0" smtClean="0"/>
-              <a:t>Um mapa por cliente</a:t>
-            </a:r>
-            <a:endParaRPr lang="pt-BR" dirty="0"/>
+          <a:bodyPr>
+            <a:normAutofit/>
+          </a:bodyPr>
+          <a:lstStyle/>
+          <a:p>
+            <a:r>
+              <a:rPr lang="pt-BR" dirty="0" smtClean="0"/>
+              <a:t>Competitivo e não-supervisionado</a:t>
+            </a:r>
+          </a:p>
+          <a:p>
+            <a:r>
+              <a:rPr lang="pt-BR" dirty="0" smtClean="0"/>
+              <a:t>Função de ativação: distância euclidiana</a:t>
+            </a:r>
+          </a:p>
+          <a:p>
+            <a:r>
+              <a:rPr lang="pt-BR" dirty="0" smtClean="0"/>
+              <a:t>Escolha do vencedor</a:t>
+            </a:r>
+          </a:p>
+          <a:p>
+            <a:r>
+              <a:rPr lang="pt-BR" dirty="0" smtClean="0"/>
+              <a:t>Região de vizinhança</a:t>
+            </a:r>
+          </a:p>
+          <a:p>
+            <a:r>
+              <a:rPr lang="pt-BR" dirty="0" smtClean="0"/>
+              <a:t>Atualização de pesos</a:t>
+            </a:r>
+          </a:p>
+          <a:p>
+            <a:r>
+              <a:rPr lang="pt-BR" dirty="0" smtClean="0"/>
+              <a:t>Função de vizinhança</a:t>
+            </a:r>
           </a:p>
         </p:txBody>
       </p:sp>
@@ -4765,6 +5027,13 @@
   <p:clrMapOvr>
     <a:masterClrMapping/>
   </p:clrMapOvr>
+  <p:timing>
+    <p:tnLst>
+      <p:par>
+        <p:cTn id="1" dur="indefinite" restart="never" nodeType="tmRoot"/>
+      </p:par>
+    </p:tnLst>
+  </p:timing>
 </p:sld>
 </file>
 
@@ -4832,7 +5101,6 @@
               <a:rPr lang="pt-BR" sz="4000" dirty="0" smtClean="0"/>
               <a:t>Diversidade</a:t>
             </a:r>
-            <a:endParaRPr lang="pt-BR" sz="4000" dirty="0" smtClean="0"/>
           </a:p>
         </p:txBody>
       </p:sp>
@@ -4913,6 +5181,13 @@
   <p:clrMapOvr>
     <a:masterClrMapping/>
   </p:clrMapOvr>
+  <p:timing>
+    <p:tnLst>
+      <p:par>
+        <p:cTn id="1" dur="indefinite" restart="never" nodeType="tmRoot"/>
+      </p:par>
+    </p:tnLst>
+  </p:timing>
 </p:sld>
 </file>
 
@@ -4950,52 +5225,47 @@
           <a:p>
             <a:r>
               <a:rPr lang="pt-BR" dirty="0" smtClean="0"/>
-              <a:t>Motivação</a:t>
+              <a:t>Treinamento</a:t>
             </a:r>
             <a:endParaRPr lang="pt-BR" dirty="0"/>
           </a:p>
         </p:txBody>
       </p:sp>
-      <p:sp>
-        <p:nvSpPr>
-          <p:cNvPr id="3" name="Espaço Reservado para Conteúdo 2"/>
-          <p:cNvSpPr>
-            <a:spLocks noGrp="1"/>
-          </p:cNvSpPr>
+      <p:pic>
+        <p:nvPicPr>
+          <p:cNvPr id="4" name="Espaço Reservado para Conteúdo 3" descr="fluxograma_som.jpg"/>
+          <p:cNvPicPr>
+            <a:picLocks noGrp="1" noChangeAspect="1"/>
+          </p:cNvPicPr>
           <p:nvPr>
             <p:ph idx="1"/>
           </p:nvPr>
-        </p:nvSpPr>
-        <p:spPr/>
-        <p:txBody>
-          <a:bodyPr/>
-          <a:lstStyle/>
-          <a:p>
-            <a:r>
-              <a:rPr lang="pt-BR" dirty="0" smtClean="0"/>
-              <a:t>Carência de ferramentas de recomendação em ambientes de vídeo locadoras</a:t>
-            </a:r>
-          </a:p>
-          <a:p>
-            <a:r>
-              <a:rPr lang="pt-BR" dirty="0" smtClean="0"/>
-              <a:t>A busca por recomendações é comum</a:t>
-            </a:r>
-          </a:p>
-          <a:p>
-            <a:r>
-              <a:rPr lang="pt-BR" dirty="0" smtClean="0"/>
-              <a:t>É preciso conhecer o perfil do cliente para fazer boas recomendações</a:t>
-            </a:r>
-            <a:endParaRPr lang="pt-BR" dirty="0"/>
-          </a:p>
-        </p:txBody>
-      </p:sp>
+        </p:nvPicPr>
+        <p:blipFill>
+          <a:blip r:embed="rId2"/>
+          <a:stretch>
+            <a:fillRect/>
+          </a:stretch>
+        </p:blipFill>
+        <p:spPr>
+          <a:xfrm>
+            <a:off x="2701312" y="1600200"/>
+            <a:ext cx="3741376" cy="4525963"/>
+          </a:xfrm>
+        </p:spPr>
+      </p:pic>
     </p:spTree>
   </p:cSld>
   <p:clrMapOvr>
     <a:masterClrMapping/>
   </p:clrMapOvr>
+  <p:timing>
+    <p:tnLst>
+      <p:par>
+        <p:cTn id="1" dur="indefinite" restart="never" nodeType="tmRoot"/>
+      </p:par>
+    </p:tnLst>
+  </p:timing>
 </p:sld>
 </file>
 
@@ -5033,7 +5303,7 @@
           <a:p>
             <a:r>
               <a:rPr lang="pt-BR" dirty="0" smtClean="0"/>
-              <a:t>Objetivos</a:t>
+              <a:t>Modelo proposto</a:t>
             </a:r>
             <a:endParaRPr lang="pt-BR" dirty="0"/>
           </a:p>
@@ -5056,13 +5326,31 @@
           <a:p>
             <a:r>
               <a:rPr lang="pt-BR" dirty="0" smtClean="0"/>
-              <a:t>Auxiliar o cliente na escolha do título a ser locado</a:t>
-            </a:r>
-          </a:p>
-          <a:p>
-            <a:r>
-              <a:rPr lang="pt-BR" dirty="0" smtClean="0"/>
-              <a:t>Formar um mapa com títulos do histórico de locações agrupando-os de acordo com a similaridade entre eles</a:t>
+              <a:t>Sistema de recomendação para locadoras</a:t>
+            </a:r>
+          </a:p>
+          <a:p>
+            <a:r>
+              <a:rPr lang="pt-BR" dirty="0" smtClean="0"/>
+              <a:t>Não existe avaliações de usuários</a:t>
+            </a:r>
+          </a:p>
+          <a:p>
+            <a:r>
+              <a:rPr lang="pt-BR" dirty="0" smtClean="0"/>
+              <a:t>Baseado no histórico de locações</a:t>
+            </a:r>
+          </a:p>
+          <a:p>
+            <a:r>
+              <a:rPr lang="pt-BR" dirty="0" smtClean="0"/>
+              <a:t>Utiliza redes SOM</a:t>
+            </a:r>
+          </a:p>
+          <a:p>
+            <a:r>
+              <a:rPr lang="pt-BR" dirty="0" smtClean="0"/>
+              <a:t>Um mapa por cliente</a:t>
             </a:r>
             <a:endParaRPr lang="pt-BR" dirty="0"/>
           </a:p>
@@ -5073,6 +5361,13 @@
   <p:clrMapOvr>
     <a:masterClrMapping/>
   </p:clrMapOvr>
+  <p:timing>
+    <p:tnLst>
+      <p:par>
+        <p:cTn id="1" dur="indefinite" restart="never" nodeType="tmRoot"/>
+      </p:par>
+    </p:tnLst>
+  </p:timing>
 </p:sld>
 </file>
 
@@ -5150,6 +5445,13 @@
   <p:clrMapOvr>
     <a:masterClrMapping/>
   </p:clrMapOvr>
+  <p:timing>
+    <p:tnLst>
+      <p:par>
+        <p:cTn id="1" dur="indefinite" restart="never" nodeType="tmRoot"/>
+      </p:par>
+    </p:tnLst>
+  </p:timing>
 </p:sld>
 </file>
 
@@ -5241,6 +5543,13 @@
   <p:clrMapOvr>
     <a:masterClrMapping/>
   </p:clrMapOvr>
+  <p:timing>
+    <p:tnLst>
+      <p:par>
+        <p:cTn id="1" dur="indefinite" restart="never" nodeType="tmRoot"/>
+      </p:par>
+    </p:tnLst>
+  </p:timing>
 </p:sld>
 </file>
 
@@ -5284,34 +5593,41 @@
           </a:p>
         </p:txBody>
       </p:sp>
-      <p:sp>
-        <p:nvSpPr>
-          <p:cNvPr id="3" name="Espaço Reservado para Conteúdo 2"/>
-          <p:cNvSpPr>
-            <a:spLocks noGrp="1"/>
-          </p:cNvSpPr>
+      <p:pic>
+        <p:nvPicPr>
+          <p:cNvPr id="4" name="Espaço Reservado para Conteúdo 3" descr="fluxo_modelo.JPG"/>
+          <p:cNvPicPr>
+            <a:picLocks noGrp="1" noChangeAspect="1"/>
+          </p:cNvPicPr>
           <p:nvPr>
             <p:ph idx="1"/>
           </p:nvPr>
-        </p:nvSpPr>
-        <p:spPr/>
-        <p:txBody>
-          <a:bodyPr/>
-          <a:lstStyle/>
-          <a:p>
-            <a:r>
-              <a:rPr lang="pt-BR" dirty="0" smtClean="0"/>
-              <a:t>(Figura do fluxo de execução do modelo)</a:t>
-            </a:r>
-            <a:endParaRPr lang="pt-BR" dirty="0"/>
-          </a:p>
-        </p:txBody>
-      </p:sp>
+        </p:nvPicPr>
+        <p:blipFill>
+          <a:blip r:embed="rId2"/>
+          <a:stretch>
+            <a:fillRect/>
+          </a:stretch>
+        </p:blipFill>
+        <p:spPr>
+          <a:xfrm>
+            <a:off x="3452812" y="1881981"/>
+            <a:ext cx="2238375" cy="3962400"/>
+          </a:xfrm>
+        </p:spPr>
+      </p:pic>
     </p:spTree>
   </p:cSld>
   <p:clrMapOvr>
     <a:masterClrMapping/>
   </p:clrMapOvr>
+  <p:timing>
+    <p:tnLst>
+      <p:par>
+        <p:cTn id="1" dur="indefinite" restart="never" nodeType="tmRoot"/>
+      </p:par>
+    </p:tnLst>
+  </p:timing>
 </p:sld>
 </file>
 
@@ -5332,53 +5648,41 @@
           <a:chExt cx="0" cy="0"/>
         </a:xfrm>
       </p:grpSpPr>
-      <p:sp>
-        <p:nvSpPr>
-          <p:cNvPr id="2" name="Título 1"/>
-          <p:cNvSpPr>
-            <a:spLocks noGrp="1"/>
-          </p:cNvSpPr>
-          <p:nvPr>
-            <p:ph type="title"/>
-          </p:nvPr>
-        </p:nvSpPr>
-        <p:spPr/>
-        <p:txBody>
-          <a:bodyPr/>
-          <a:lstStyle/>
-          <a:p>
-            <a:endParaRPr lang="pt-BR" dirty="0"/>
-          </a:p>
-        </p:txBody>
-      </p:sp>
-      <p:sp>
-        <p:nvSpPr>
-          <p:cNvPr id="3" name="Espaço Reservado para Conteúdo 2"/>
-          <p:cNvSpPr>
-            <a:spLocks noGrp="1"/>
-          </p:cNvSpPr>
+      <p:pic>
+        <p:nvPicPr>
+          <p:cNvPr id="4" name="Espaço Reservado para Conteúdo 3" descr="mapa_cliente1.JPG"/>
+          <p:cNvPicPr>
+            <a:picLocks noGrp="1" noChangeAspect="1"/>
+          </p:cNvPicPr>
           <p:nvPr>
             <p:ph idx="1"/>
           </p:nvPr>
-        </p:nvSpPr>
-        <p:spPr/>
-        <p:txBody>
-          <a:bodyPr/>
-          <a:lstStyle/>
-          <a:p>
-            <a:r>
-              <a:rPr lang="pt-BR" dirty="0" smtClean="0"/>
-              <a:t>(Figura do mapa)</a:t>
-            </a:r>
-            <a:endParaRPr lang="pt-BR" dirty="0"/>
-          </a:p>
-        </p:txBody>
-      </p:sp>
+        </p:nvPicPr>
+        <p:blipFill>
+          <a:blip r:embed="rId2"/>
+          <a:stretch>
+            <a:fillRect/>
+          </a:stretch>
+        </p:blipFill>
+        <p:spPr>
+          <a:xfrm>
+            <a:off x="625656" y="928670"/>
+            <a:ext cx="7892688" cy="4525963"/>
+          </a:xfrm>
+        </p:spPr>
+      </p:pic>
     </p:spTree>
   </p:cSld>
   <p:clrMapOvr>
     <a:masterClrMapping/>
   </p:clrMapOvr>
+  <p:timing>
+    <p:tnLst>
+      <p:par>
+        <p:cTn id="1" dur="indefinite" restart="never" nodeType="tmRoot"/>
+      </p:par>
+    </p:tnLst>
+  </p:timing>
 </p:sld>
 </file>
 
@@ -5485,6 +5789,13 @@
   <p:clrMapOvr>
     <a:masterClrMapping/>
   </p:clrMapOvr>
+  <p:timing>
+    <p:tnLst>
+      <p:par>
+        <p:cTn id="1" dur="indefinite" restart="never" nodeType="tmRoot"/>
+      </p:par>
+    </p:tnLst>
+  </p:timing>
 </p:sld>
 </file>
 
@@ -5530,34 +5841,65 @@
           </a:p>
         </p:txBody>
       </p:sp>
-      <p:sp>
-        <p:nvSpPr>
-          <p:cNvPr id="3" name="Espaço Reservado para Conteúdo 2"/>
-          <p:cNvSpPr>
-            <a:spLocks noGrp="1"/>
-          </p:cNvSpPr>
+      <p:pic>
+        <p:nvPicPr>
+          <p:cNvPr id="4" name="Espaço Reservado para Conteúdo 3" descr="cliente1filme1.jpg"/>
+          <p:cNvPicPr>
+            <a:picLocks noGrp="1" noChangeAspect="1"/>
+          </p:cNvPicPr>
           <p:nvPr>
             <p:ph idx="1"/>
           </p:nvPr>
-        </p:nvSpPr>
-        <p:spPr/>
-        <p:txBody>
-          <a:bodyPr/>
-          <a:lstStyle/>
-          <a:p>
-            <a:r>
-              <a:rPr lang="pt-BR" dirty="0" smtClean="0"/>
-              <a:t>(Colar tabelas com resultados)</a:t>
-            </a:r>
-            <a:endParaRPr lang="pt-BR" dirty="0"/>
-          </a:p>
-        </p:txBody>
-      </p:sp>
+        </p:nvPicPr>
+        <p:blipFill>
+          <a:blip r:embed="rId2"/>
+          <a:stretch>
+            <a:fillRect/>
+          </a:stretch>
+        </p:blipFill>
+        <p:spPr>
+          <a:xfrm>
+            <a:off x="928662" y="1714488"/>
+            <a:ext cx="7343775" cy="1400175"/>
+          </a:xfrm>
+        </p:spPr>
+      </p:pic>
+      <p:pic>
+        <p:nvPicPr>
+          <p:cNvPr id="5" name="Imagem 4" descr="cliente2filme1.jpg"/>
+          <p:cNvPicPr>
+            <a:picLocks noChangeAspect="1"/>
+          </p:cNvPicPr>
+          <p:nvPr/>
+        </p:nvPicPr>
+        <p:blipFill>
+          <a:blip r:embed="rId3"/>
+          <a:stretch>
+            <a:fillRect/>
+          </a:stretch>
+        </p:blipFill>
+        <p:spPr>
+          <a:xfrm>
+            <a:off x="995337" y="3429000"/>
+            <a:ext cx="7210425" cy="1400175"/>
+          </a:xfrm>
+          <a:prstGeom prst="rect">
+            <a:avLst/>
+          </a:prstGeom>
+        </p:spPr>
+      </p:pic>
     </p:spTree>
   </p:cSld>
   <p:clrMapOvr>
     <a:masterClrMapping/>
   </p:clrMapOvr>
+  <p:timing>
+    <p:tnLst>
+      <p:par>
+        <p:cTn id="1" dur="indefinite" restart="never" nodeType="tmRoot"/>
+      </p:par>
+    </p:tnLst>
+  </p:timing>
 </p:sld>
 </file>
 
@@ -5641,6 +5983,13 @@
   <p:clrMapOvr>
     <a:masterClrMapping/>
   </p:clrMapOvr>
+  <p:timing>
+    <p:tnLst>
+      <p:par>
+        <p:cTn id="1" dur="indefinite" restart="never" nodeType="tmRoot"/>
+      </p:par>
+    </p:tnLst>
+  </p:timing>
 </p:sld>
 </file>
 
@@ -5730,6 +6079,13 @@
   <p:clrMapOvr>
     <a:masterClrMapping/>
   </p:clrMapOvr>
+  <p:timing>
+    <p:tnLst>
+      <p:par>
+        <p:cTn id="1" dur="indefinite" restart="never" nodeType="tmRoot"/>
+      </p:par>
+    </p:tnLst>
+  </p:timing>
 </p:sld>
 </file>
 
@@ -5767,7 +6123,7 @@
           <a:p>
             <a:r>
               <a:rPr lang="pt-BR" dirty="0" smtClean="0"/>
-              <a:t>Objetivo</a:t>
+              <a:t>Motivação</a:t>
             </a:r>
             <a:endParaRPr lang="pt-BR" dirty="0"/>
           </a:p>
@@ -5790,13 +6146,19 @@
           <a:p>
             <a:r>
               <a:rPr lang="pt-BR" dirty="0" smtClean="0"/>
-              <a:t>Auxiliar clientes de vídeo locadoras a escolher filmes</a:t>
-            </a:r>
-          </a:p>
-          <a:p>
-            <a:r>
-              <a:rPr lang="pt-BR" dirty="0" smtClean="0"/>
-              <a:t>Prova de conceito de sistema de recomendação utilizando redes SOM</a:t>
+              <a:t>Carência de ferramentas de recomendação em ambientes de vídeo locadoras</a:t>
+            </a:r>
+          </a:p>
+          <a:p>
+            <a:r>
+              <a:rPr lang="pt-BR" dirty="0" smtClean="0"/>
+              <a:t>A busca por recomendações é comum</a:t>
+            </a:r>
+          </a:p>
+          <a:p>
+            <a:r>
+              <a:rPr lang="pt-BR" dirty="0" smtClean="0"/>
+              <a:t>É preciso conhecer o perfil do cliente para fazer boas recomendações</a:t>
             </a:r>
             <a:endParaRPr lang="pt-BR" dirty="0"/>
           </a:p>
@@ -5807,6 +6169,13 @@
   <p:clrMapOvr>
     <a:masterClrMapping/>
   </p:clrMapOvr>
+  <p:timing>
+    <p:tnLst>
+      <p:par>
+        <p:cTn id="1" dur="indefinite" restart="never" nodeType="tmRoot"/>
+      </p:par>
+    </p:tnLst>
+  </p:timing>
 </p:sld>
 </file>
 
@@ -5960,6 +6329,13 @@
   <p:clrMapOvr>
     <a:masterClrMapping/>
   </p:clrMapOvr>
+  <p:timing>
+    <p:tnLst>
+      <p:par>
+        <p:cTn id="1" dur="indefinite" restart="never" nodeType="tmRoot"/>
+      </p:par>
+    </p:tnLst>
+  </p:timing>
 </p:sld>
 </file>
 
@@ -5997,7 +6373,7 @@
           <a:p>
             <a:r>
               <a:rPr lang="pt-BR" dirty="0" smtClean="0"/>
-              <a:t>Conceitos Fundamentais</a:t>
+              <a:t>Objetivo</a:t>
             </a:r>
             <a:endParaRPr lang="pt-BR" dirty="0"/>
           </a:p>
@@ -6013,22 +6389,39 @@
             <p:ph idx="1"/>
           </p:nvPr>
         </p:nvSpPr>
-        <p:spPr/>
-        <p:txBody>
-          <a:bodyPr/>
-          <a:lstStyle/>
-          <a:p>
-            <a:r>
-              <a:rPr lang="pt-BR" dirty="0" smtClean="0"/>
-              <a:t>Sistemas de recomendação</a:t>
-            </a:r>
-          </a:p>
-          <a:p>
-            <a:r>
-              <a:rPr lang="pt-BR" dirty="0" smtClean="0"/>
-              <a:t>Redes SOM</a:t>
-            </a:r>
-            <a:endParaRPr lang="pt-BR" dirty="0"/>
+        <p:spPr>
+          <a:xfrm>
+            <a:off x="457200" y="2550319"/>
+            <a:ext cx="8229600" cy="2307442"/>
+          </a:xfrm>
+        </p:spPr>
+        <p:txBody>
+          <a:bodyPr>
+            <a:normAutofit fontScale="92500" lnSpcReduction="10000"/>
+          </a:bodyPr>
+          <a:lstStyle/>
+          <a:p>
+            <a:r>
+              <a:rPr lang="pt-BR" sz="3800" dirty="0" smtClean="0"/>
+              <a:t>Auxiliar clientes de vídeo locadoras</a:t>
+            </a:r>
+          </a:p>
+          <a:p>
+            <a:endParaRPr lang="pt-BR" sz="3800" dirty="0" smtClean="0"/>
+          </a:p>
+          <a:p>
+            <a:pPr lvl="1"/>
+            <a:r>
+              <a:rPr lang="pt-BR" sz="3800" dirty="0" smtClean="0"/>
+              <a:t>Prova de conceito de sistema de recomendação utilizando redes SOM</a:t>
+            </a:r>
+          </a:p>
+          <a:p>
+            <a:pPr lvl="1"/>
+            <a:endParaRPr lang="pt-BR" dirty="0" smtClean="0"/>
+          </a:p>
+          <a:p>
+            <a:endParaRPr lang="pt-BR" dirty="0" smtClean="0"/>
           </a:p>
         </p:txBody>
       </p:sp>
@@ -6037,6 +6430,13 @@
   <p:clrMapOvr>
     <a:masterClrMapping/>
   </p:clrMapOvr>
+  <p:timing>
+    <p:tnLst>
+      <p:par>
+        <p:cTn id="1" dur="indefinite" restart="never" nodeType="tmRoot"/>
+      </p:par>
+    </p:tnLst>
+  </p:timing>
 </p:sld>
 </file>
 
@@ -6074,7 +6474,7 @@
           <a:p>
             <a:r>
               <a:rPr lang="pt-BR" dirty="0" smtClean="0"/>
-              <a:t>Sistemas de recomendação</a:t>
+              <a:t>Objetivos</a:t>
             </a:r>
             <a:endParaRPr lang="pt-BR" dirty="0"/>
           </a:p>
@@ -6097,25 +6497,13 @@
           <a:p>
             <a:r>
               <a:rPr lang="pt-BR" dirty="0" smtClean="0"/>
-              <a:t>Desenhado para resolver o problema da sobrecarga de informação</a:t>
-            </a:r>
-          </a:p>
-          <a:p>
-            <a:r>
-              <a:rPr lang="pt-BR" dirty="0" smtClean="0"/>
-              <a:t>Nasceu da necessidade de filtrar ou recuperar informação</a:t>
-            </a:r>
-          </a:p>
-          <a:p>
-            <a:r>
-              <a:rPr lang="pt-BR" dirty="0" smtClean="0"/>
-              <a:t>Largamente utilizado por comércio eletrônico</a:t>
-            </a:r>
-          </a:p>
-          <a:p>
-            <a:r>
-              <a:rPr lang="pt-BR" dirty="0" smtClean="0"/>
-              <a:t>Marketing direto</a:t>
+              <a:t>Auxiliar o cliente na escolha do título a ser locado</a:t>
+            </a:r>
+          </a:p>
+          <a:p>
+            <a:r>
+              <a:rPr lang="pt-BR" dirty="0" smtClean="0"/>
+              <a:t>Formar um mapa com títulos do histórico de locações agrupando-os de acordo com a similaridade entre eles</a:t>
             </a:r>
             <a:endParaRPr lang="pt-BR" dirty="0"/>
           </a:p>
@@ -6126,6 +6514,13 @@
   <p:clrMapOvr>
     <a:masterClrMapping/>
   </p:clrMapOvr>
+  <p:timing>
+    <p:tnLst>
+      <p:par>
+        <p:cTn id="1" dur="indefinite" restart="never" nodeType="tmRoot"/>
+      </p:par>
+    </p:tnLst>
+  </p:timing>
 </p:sld>
 </file>
 
@@ -6163,7 +6558,7 @@
           <a:p>
             <a:r>
               <a:rPr lang="pt-BR" dirty="0" smtClean="0"/>
-              <a:t>Estratégias</a:t>
+              <a:t>Conceitos Fundamentais</a:t>
             </a:r>
             <a:endParaRPr lang="pt-BR" dirty="0"/>
           </a:p>
@@ -6179,38 +6574,28 @@
             <p:ph idx="1"/>
           </p:nvPr>
         </p:nvSpPr>
-        <p:spPr/>
-        <p:txBody>
-          <a:bodyPr/>
-          <a:lstStyle/>
-          <a:p>
-            <a:r>
-              <a:rPr lang="pt-BR" dirty="0" smtClean="0"/>
-              <a:t>Listas de recomendação</a:t>
-            </a:r>
-          </a:p>
-          <a:p>
-            <a:r>
-              <a:rPr lang="pt-BR" dirty="0" smtClean="0"/>
-              <a:t>Avaliação de usuários</a:t>
-            </a:r>
-          </a:p>
-          <a:p>
-            <a:r>
-              <a:rPr lang="pt-BR" dirty="0" smtClean="0"/>
-              <a:t>Suas recomendações</a:t>
-            </a:r>
-          </a:p>
-          <a:p>
-            <a:r>
-              <a:rPr lang="pt-BR" dirty="0" smtClean="0"/>
-              <a:t>Clientes que adquiriram X também compraram Y</a:t>
-            </a:r>
-          </a:p>
-          <a:p>
-            <a:r>
-              <a:rPr lang="pt-BR" dirty="0" smtClean="0"/>
-              <a:t>Associação por conteúdo</a:t>
+        <p:spPr>
+          <a:xfrm>
+            <a:off x="457200" y="2407443"/>
+            <a:ext cx="8229600" cy="2043114"/>
+          </a:xfrm>
+        </p:spPr>
+        <p:txBody>
+          <a:bodyPr/>
+          <a:lstStyle/>
+          <a:p>
+            <a:r>
+              <a:rPr lang="pt-BR" dirty="0" smtClean="0"/>
+              <a:t>Sistemas de recomendação</a:t>
+            </a:r>
+          </a:p>
+          <a:p>
+            <a:endParaRPr lang="pt-BR" dirty="0" smtClean="0"/>
+          </a:p>
+          <a:p>
+            <a:r>
+              <a:rPr lang="pt-BR" dirty="0" smtClean="0"/>
+              <a:t>Redes SOM</a:t>
             </a:r>
             <a:endParaRPr lang="pt-BR" dirty="0"/>
           </a:p>
@@ -6221,6 +6606,13 @@
   <p:clrMapOvr>
     <a:masterClrMapping/>
   </p:clrMapOvr>
+  <p:timing>
+    <p:tnLst>
+      <p:par>
+        <p:cTn id="1" dur="indefinite" restart="never" nodeType="tmRoot"/>
+      </p:par>
+    </p:tnLst>
+  </p:timing>
 </p:sld>
 </file>
 
@@ -6258,7 +6650,7 @@
           <a:p>
             <a:r>
               <a:rPr lang="pt-BR" dirty="0" smtClean="0"/>
-              <a:t>Técnicas de filtragem</a:t>
+              <a:t>Sistemas de recomendação</a:t>
             </a:r>
             <a:endParaRPr lang="pt-BR" dirty="0"/>
           </a:p>
@@ -6274,26 +6666,37 @@
             <p:ph idx="1"/>
           </p:nvPr>
         </p:nvSpPr>
-        <p:spPr/>
-        <p:txBody>
-          <a:bodyPr/>
-          <a:lstStyle/>
-          <a:p>
-            <a:r>
-              <a:rPr lang="pt-BR" dirty="0" smtClean="0"/>
-              <a:t>Baseada em conteúdo</a:t>
-            </a:r>
-          </a:p>
-          <a:p>
-            <a:r>
-              <a:rPr lang="pt-BR" dirty="0" smtClean="0"/>
-              <a:t>Colaborativa</a:t>
-            </a:r>
-          </a:p>
-          <a:p>
-            <a:r>
-              <a:rPr lang="pt-BR" dirty="0" smtClean="0"/>
-              <a:t>Híbrida</a:t>
+        <p:spPr>
+          <a:xfrm>
+            <a:off x="457200" y="2085972"/>
+            <a:ext cx="8229600" cy="2686056"/>
+          </a:xfrm>
+        </p:spPr>
+        <p:txBody>
+          <a:bodyPr/>
+          <a:lstStyle/>
+          <a:p>
+            <a:r>
+              <a:rPr lang="pt-BR" dirty="0" smtClean="0"/>
+              <a:t>Sobrecarga de informação</a:t>
+            </a:r>
+          </a:p>
+          <a:p>
+            <a:r>
+              <a:rPr lang="pt-BR" dirty="0" smtClean="0"/>
+              <a:t>Filtrar ou recuperar informação</a:t>
+            </a:r>
+          </a:p>
+          <a:p>
+            <a:r>
+              <a:rPr lang="pt-BR" dirty="0" smtClean="0"/>
+              <a:t>Comércio eletrônico</a:t>
+            </a:r>
+          </a:p>
+          <a:p>
+            <a:r>
+              <a:rPr lang="pt-BR" dirty="0" smtClean="0"/>
+              <a:t>Marketing direto</a:t>
             </a:r>
             <a:endParaRPr lang="pt-BR" dirty="0"/>
           </a:p>
@@ -6304,6 +6707,13 @@
   <p:clrMapOvr>
     <a:masterClrMapping/>
   </p:clrMapOvr>
+  <p:timing>
+    <p:tnLst>
+      <p:par>
+        <p:cTn id="1" dur="indefinite" restart="never" nodeType="tmRoot"/>
+      </p:par>
+    </p:tnLst>
+  </p:timing>
 </p:sld>
 </file>
 
@@ -6341,7 +6751,7 @@
           <a:p>
             <a:r>
               <a:rPr lang="pt-BR" dirty="0" smtClean="0"/>
-              <a:t>Filtragem baseada em conteúdo</a:t>
+              <a:t>Técnicas de filtragem</a:t>
             </a:r>
             <a:endParaRPr lang="pt-BR" dirty="0"/>
           </a:p>
@@ -6364,19 +6774,19 @@
           <a:p>
             <a:r>
               <a:rPr lang="pt-BR" dirty="0" smtClean="0"/>
-              <a:t>Raízes no processo de recuperação de informação</a:t>
-            </a:r>
-          </a:p>
-          <a:p>
-            <a:r>
-              <a:rPr lang="pt-BR" dirty="0" smtClean="0"/>
-              <a:t>Baseadas no perfil do usuário previamente construído</a:t>
-            </a:r>
-          </a:p>
-          <a:p>
-            <a:r>
-              <a:rPr lang="pt-BR" dirty="0" smtClean="0"/>
-              <a:t>O perfil é conhecido através do conteúdo dos itens investigados</a:t>
+              <a:t>Baseada em conteúdo</a:t>
+            </a:r>
+          </a:p>
+          <a:p>
+            <a:r>
+              <a:rPr lang="pt-BR" dirty="0" smtClean="0"/>
+              <a:t>Colaborativa</a:t>
+            </a:r>
+          </a:p>
+          <a:p>
+            <a:r>
+              <a:rPr lang="pt-BR" dirty="0" smtClean="0"/>
+              <a:t>Híbrida</a:t>
             </a:r>
             <a:endParaRPr lang="pt-BR" dirty="0"/>
           </a:p>
@@ -6387,6 +6797,13 @@
   <p:clrMapOvr>
     <a:masterClrMapping/>
   </p:clrMapOvr>
+  <p:timing>
+    <p:tnLst>
+      <p:par>
+        <p:cTn id="1" dur="indefinite" restart="never" nodeType="tmRoot"/>
+      </p:par>
+    </p:tnLst>
+  </p:timing>
 </p:sld>
 </file>
 
@@ -6445,24 +6862,25 @@
           <a:bodyPr/>
           <a:lstStyle/>
           <a:p>
-            <a:pPr>
-              <a:buNone/>
-            </a:pPr>
-            <a:r>
-              <a:rPr lang="pt-BR" dirty="0" smtClean="0"/>
-              <a:t>Vantagens:</a:t>
-            </a:r>
-          </a:p>
-          <a:p>
-            <a:r>
-              <a:rPr lang="pt-BR" dirty="0" smtClean="0"/>
-              <a:t>Não são necessárias qualificações</a:t>
-            </a:r>
-          </a:p>
-          <a:p>
-            <a:r>
-              <a:rPr lang="pt-BR" dirty="0" smtClean="0"/>
-              <a:t>Se baseia apenas no conteúdo de itens, portanto não se restringe a itens já avaliados</a:t>
+            <a:r>
+              <a:rPr lang="pt-BR" dirty="0" smtClean="0"/>
+              <a:t>Raízes no processo de recuperação de informação</a:t>
+            </a:r>
+          </a:p>
+          <a:p>
+            <a:r>
+              <a:rPr lang="pt-BR" smtClean="0"/>
+              <a:t>Baseada </a:t>
+            </a:r>
+            <a:r>
+              <a:rPr lang="pt-BR" dirty="0" smtClean="0"/>
+              <a:t>no perfil do usuário previamente construído</a:t>
+            </a:r>
+          </a:p>
+          <a:p>
+            <a:r>
+              <a:rPr lang="pt-BR" dirty="0" smtClean="0"/>
+              <a:t>O perfil é conhecido através do conteúdo dos itens investigados</a:t>
             </a:r>
             <a:endParaRPr lang="pt-BR" dirty="0"/>
           </a:p>
@@ -6473,6 +6891,13 @@
   <p:clrMapOvr>
     <a:masterClrMapping/>
   </p:clrMapOvr>
+  <p:timing>
+    <p:tnLst>
+      <p:par>
+        <p:cTn id="1" dur="indefinite" restart="never" nodeType="tmRoot"/>
+      </p:par>
+    </p:tnLst>
+  </p:timing>
 </p:sld>
 </file>
 
